--- a/Presentation_LEDMatrix.pptx
+++ b/Presentation_LEDMatrix.pptx
@@ -5,10 +5,10 @@
     <p:sldMasterId id="2147483649" r:id="rId1"/>
   </p:sldMasterIdLst>
   <p:notesMasterIdLst>
-    <p:notesMasterId r:id="rId13"/>
+    <p:notesMasterId r:id="rId14"/>
   </p:notesMasterIdLst>
   <p:handoutMasterIdLst>
-    <p:handoutMasterId r:id="rId14"/>
+    <p:handoutMasterId r:id="rId15"/>
   </p:handoutMasterIdLst>
   <p:sldIdLst>
     <p:sldId id="256" r:id="rId2"/>
@@ -19,9 +19,10 @@
     <p:sldId id="417" r:id="rId7"/>
     <p:sldId id="419" r:id="rId8"/>
     <p:sldId id="420" r:id="rId9"/>
-    <p:sldId id="421" r:id="rId10"/>
-    <p:sldId id="422" r:id="rId11"/>
-    <p:sldId id="414" r:id="rId12"/>
+    <p:sldId id="422" r:id="rId10"/>
+    <p:sldId id="421" r:id="rId11"/>
+    <p:sldId id="423" r:id="rId12"/>
+    <p:sldId id="414" r:id="rId13"/>
   </p:sldIdLst>
   <p:sldSz cx="9144000" cy="6858000" type="screen4x3"/>
   <p:notesSz cx="6646863" cy="9777413"/>
@@ -1332,7 +1333,7 @@
                 <a:buNone/>
                 <a:defRPr/>
               </a:pPr>
-              <a:t>10-05-20</a:t>
+              <a:t>13-05-20</a:t>
             </a:fld>
             <a:endParaRPr lang="en-US" sz="1400" dirty="0">
               <a:solidFill>
@@ -5382,7 +5383,7 @@
           <p:cNvPr id="2" name="Title 1">
             <a:extLst>
               <a:ext uri="{FF2B5EF4-FFF2-40B4-BE49-F238E27FC236}">
-                <a16:creationId xmlns:a16="http://schemas.microsoft.com/office/drawing/2014/main" id="{B9BC88A8-1215-4842-9008-791129A189D2}"/>
+                <a16:creationId xmlns:a16="http://schemas.microsoft.com/office/drawing/2014/main" id="{1C425CC9-6AB3-46AF-B088-CE31185D5114}"/>
               </a:ext>
             </a:extLst>
           </p:cNvPr>
@@ -5400,17 +5401,17 @@
           <a:p>
             <a:r>
               <a:rPr lang="en-US" dirty="0"/>
-              <a:t>Application</a:t>
+              <a:t>Testbench</a:t>
             </a:r>
           </a:p>
         </p:txBody>
       </p:sp>
       <p:pic>
         <p:nvPicPr>
-          <p:cNvPr id="8" name="Content Placeholder 7">
+          <p:cNvPr id="7" name="Content Placeholder 6">
             <a:extLst>
               <a:ext uri="{FF2B5EF4-FFF2-40B4-BE49-F238E27FC236}">
-                <a16:creationId xmlns:a16="http://schemas.microsoft.com/office/drawing/2014/main" id="{C557F22E-6069-4A3F-9FE3-4B518DEACDED}"/>
+                <a16:creationId xmlns:a16="http://schemas.microsoft.com/office/drawing/2014/main" id="{3C8173AC-F959-4BB1-87DE-51678896635E}"/>
               </a:ext>
             </a:extLst>
           </p:cNvPr>
@@ -5429,8 +5430,8 @@
         </p:blipFill>
         <p:spPr>
           <a:xfrm>
-            <a:off x="0" y="938372"/>
-            <a:ext cx="4648200" cy="5064739"/>
+            <a:off x="158386" y="1113847"/>
+            <a:ext cx="8827228" cy="915749"/>
           </a:xfrm>
           <a:prstGeom prst="rect">
             <a:avLst/>
@@ -5442,7 +5443,7 @@
           <p:cNvPr id="5" name="Slide Number Placeholder 4">
             <a:extLst>
               <a:ext uri="{FF2B5EF4-FFF2-40B4-BE49-F238E27FC236}">
-                <a16:creationId xmlns:a16="http://schemas.microsoft.com/office/drawing/2014/main" id="{EC802190-4DC8-49B6-B333-0198AC60F408}"/>
+                <a16:creationId xmlns:a16="http://schemas.microsoft.com/office/drawing/2014/main" id="{E5052012-D434-4515-A05A-5B1533CEC4DF}"/>
               </a:ext>
             </a:extLst>
           </p:cNvPr>
@@ -5477,7 +5478,7 @@
           <p:cNvPr id="6" name="Footer Placeholder 5">
             <a:extLst>
               <a:ext uri="{FF2B5EF4-FFF2-40B4-BE49-F238E27FC236}">
-                <a16:creationId xmlns:a16="http://schemas.microsoft.com/office/drawing/2014/main" id="{E03D21CF-AA7B-46FB-B404-5261F34C506A}"/>
+                <a16:creationId xmlns:a16="http://schemas.microsoft.com/office/drawing/2014/main" id="{9D157A7C-9D5B-402E-AD60-D5C89BD887F4}"/>
               </a:ext>
             </a:extLst>
           </p:cNvPr>
@@ -5503,72 +5504,94 @@
           </a:p>
         </p:txBody>
       </p:sp>
-      <p:sp>
-        <p:nvSpPr>
-          <p:cNvPr id="7" name="Content Placeholder 3">
+      <p:pic>
+        <p:nvPicPr>
+          <p:cNvPr id="8" name="Picture 7">
             <a:extLst>
               <a:ext uri="{FF2B5EF4-FFF2-40B4-BE49-F238E27FC236}">
-                <a16:creationId xmlns:a16="http://schemas.microsoft.com/office/drawing/2014/main" id="{427C1B57-3A60-4A62-9EF3-DE4162FD1CB8}"/>
+                <a16:creationId xmlns:a16="http://schemas.microsoft.com/office/drawing/2014/main" id="{085AAD7F-A04E-436C-A15B-2074AF0035FF}"/>
               </a:ext>
             </a:extLst>
           </p:cNvPr>
-          <p:cNvSpPr>
-            <a:spLocks noGrp="1"/>
-          </p:cNvSpPr>
-          <p:nvPr>
-            <p:ph sz="half" idx="2"/>
-          </p:nvPr>
-        </p:nvSpPr>
+          <p:cNvPicPr>
+            <a:picLocks noChangeAspect="1"/>
+          </p:cNvPicPr>
+          <p:nvPr/>
+        </p:nvPicPr>
+        <p:blipFill>
+          <a:blip r:embed="rId3"/>
+          <a:stretch>
+            <a:fillRect/>
+          </a:stretch>
+        </p:blipFill>
         <p:spPr>
           <a:xfrm>
-            <a:off x="4880213" y="1901391"/>
-            <a:ext cx="4248472" cy="3138700"/>
+            <a:off x="174477" y="2255466"/>
+            <a:ext cx="3970469" cy="3762953"/>
+          </a:xfrm>
+          <a:prstGeom prst="rect">
+            <a:avLst/>
+          </a:prstGeom>
+        </p:spPr>
+      </p:pic>
+      <p:sp>
+        <p:nvSpPr>
+          <p:cNvPr id="12" name="Content Placeholder 11">
+            <a:extLst>
+              <a:ext uri="{FF2B5EF4-FFF2-40B4-BE49-F238E27FC236}">
+                <a16:creationId xmlns:a16="http://schemas.microsoft.com/office/drawing/2014/main" id="{0003DC4E-DD2C-4D75-B15D-BD99ECC5F7C4}"/>
+              </a:ext>
+            </a:extLst>
+          </p:cNvPr>
+          <p:cNvSpPr>
+            <a:spLocks noGrp="1"/>
+          </p:cNvSpPr>
+          <p:nvPr>
+            <p:ph sz="half" idx="2"/>
+          </p:nvPr>
+        </p:nvSpPr>
+        <p:spPr>
+          <a:xfrm>
+            <a:off x="4659313" y="2132856"/>
+            <a:ext cx="4038600" cy="3932982"/>
           </a:xfrm>
         </p:spPr>
         <p:txBody>
           <a:bodyPr/>
           <a:lstStyle/>
           <a:p>
-            <a:pPr marL="457200" lvl="1" indent="0">
-              <a:buNone/>
-            </a:pPr>
             <a:r>
               <a:rPr lang="en-US" sz="2000" dirty="0"/>
-              <a:t>The first 4 bits are never used for this device. </a:t>
-            </a:r>
-          </a:p>
-          <a:p>
-            <a:pPr marL="457200" lvl="1" indent="0">
-              <a:buNone/>
-            </a:pPr>
+              <a:t>The frame chosen contains 16 bits and represent one initialization frame of data frame for the matrix.</a:t>
+            </a:r>
+          </a:p>
+          <a:p>
+            <a:endParaRPr lang="en-US" sz="2000" dirty="0"/>
+          </a:p>
+          <a:p>
             <a:r>
               <a:rPr lang="en-US" sz="2000" dirty="0"/>
-              <a:t>The last 8 bits each monitor one led in the line. </a:t>
-            </a:r>
-          </a:p>
-          <a:p>
-            <a:pPr marL="457200" lvl="1" indent="0">
-              <a:buNone/>
-            </a:pPr>
+              <a:t>CS comes to zero -&gt; Data start its duty cycle</a:t>
+            </a:r>
+          </a:p>
+          <a:p>
+            <a:endParaRPr lang="en-US" sz="2000" dirty="0"/>
+          </a:p>
+          <a:p>
             <a:r>
               <a:rPr lang="en-US" sz="2000" dirty="0"/>
-              <a:t>If the bits are equal to 1, the corresponding LEDs will be lit and in the same way, they will be off if the bits are equal to 0. </a:t>
-            </a:r>
-          </a:p>
-          <a:p>
-            <a:pPr lvl="1"/>
-            <a:endParaRPr lang="es-MX" dirty="0"/>
-          </a:p>
-          <a:p>
-            <a:pPr lvl="1"/>
-            <a:endParaRPr lang="en-US" dirty="0"/>
+              <a:t>We can see that the data waveform is the same as the data frame</a:t>
+            </a:r>
+          </a:p>
+          <a:p>
+            <a:endParaRPr lang="en-US" sz="2000" dirty="0"/>
           </a:p>
         </p:txBody>
       </p:sp>
     </p:spTree>
     <p:extLst>
       <p:ext uri="{BB962C8B-B14F-4D97-AF65-F5344CB8AC3E}">
-        <p14:creationId xmlns:p14="http://schemas.microsoft.com/office/powerpoint/2010/main" val="4010572043"/>
+        <p14:creationId xmlns:p14="http://schemas.microsoft.com/office/powerpoint/2010/main" val="2305922971"/>
       </p:ext>
     </p:extLst>
   </p:cSld>
@@ -5600,6 +5623,180 @@
           <p:cNvPr id="2" name="Title 1">
             <a:extLst>
               <a:ext uri="{FF2B5EF4-FFF2-40B4-BE49-F238E27FC236}">
+                <a16:creationId xmlns:a16="http://schemas.microsoft.com/office/drawing/2014/main" id="{2CE4BDF1-7F04-4DEC-843E-2A3B91BA12BF}"/>
+              </a:ext>
+            </a:extLst>
+          </p:cNvPr>
+          <p:cNvSpPr>
+            <a:spLocks noGrp="1"/>
+          </p:cNvSpPr>
+          <p:nvPr>
+            <p:ph type="title"/>
+          </p:nvPr>
+        </p:nvSpPr>
+        <p:spPr/>
+        <p:txBody>
+          <a:bodyPr/>
+          <a:lstStyle/>
+          <a:p>
+            <a:r>
+              <a:rPr lang="en-US" dirty="0"/>
+              <a:t>Conclusion</a:t>
+            </a:r>
+          </a:p>
+        </p:txBody>
+      </p:sp>
+      <p:sp>
+        <p:nvSpPr>
+          <p:cNvPr id="3" name="Content Placeholder 2">
+            <a:extLst>
+              <a:ext uri="{FF2B5EF4-FFF2-40B4-BE49-F238E27FC236}">
+                <a16:creationId xmlns:a16="http://schemas.microsoft.com/office/drawing/2014/main" id="{4E140F48-B801-4325-9A4A-A9CE352102A9}"/>
+              </a:ext>
+            </a:extLst>
+          </p:cNvPr>
+          <p:cNvSpPr>
+            <a:spLocks noGrp="1"/>
+          </p:cNvSpPr>
+          <p:nvPr>
+            <p:ph sz="half" idx="1"/>
+          </p:nvPr>
+        </p:nvSpPr>
+        <p:spPr/>
+        <p:txBody>
+          <a:bodyPr/>
+          <a:lstStyle/>
+          <a:p>
+            <a:endParaRPr lang="en-US"/>
+          </a:p>
+        </p:txBody>
+      </p:sp>
+      <p:sp>
+        <p:nvSpPr>
+          <p:cNvPr id="4" name="Content Placeholder 3">
+            <a:extLst>
+              <a:ext uri="{FF2B5EF4-FFF2-40B4-BE49-F238E27FC236}">
+                <a16:creationId xmlns:a16="http://schemas.microsoft.com/office/drawing/2014/main" id="{3ECD01BC-D983-4D1D-9682-D1380B191560}"/>
+              </a:ext>
+            </a:extLst>
+          </p:cNvPr>
+          <p:cNvSpPr>
+            <a:spLocks noGrp="1"/>
+          </p:cNvSpPr>
+          <p:nvPr>
+            <p:ph sz="half" idx="2"/>
+          </p:nvPr>
+        </p:nvSpPr>
+        <p:spPr/>
+        <p:txBody>
+          <a:bodyPr/>
+          <a:lstStyle/>
+          <a:p>
+            <a:endParaRPr lang="en-US"/>
+          </a:p>
+        </p:txBody>
+      </p:sp>
+      <p:sp>
+        <p:nvSpPr>
+          <p:cNvPr id="5" name="Slide Number Placeholder 4">
+            <a:extLst>
+              <a:ext uri="{FF2B5EF4-FFF2-40B4-BE49-F238E27FC236}">
+                <a16:creationId xmlns:a16="http://schemas.microsoft.com/office/drawing/2014/main" id="{E2669424-6BC6-4065-A642-9E07584DF98B}"/>
+              </a:ext>
+            </a:extLst>
+          </p:cNvPr>
+          <p:cNvSpPr>
+            <a:spLocks noGrp="1"/>
+          </p:cNvSpPr>
+          <p:nvPr>
+            <p:ph type="sldNum" sz="quarter" idx="10"/>
+          </p:nvPr>
+        </p:nvSpPr>
+        <p:spPr/>
+        <p:txBody>
+          <a:bodyPr/>
+          <a:lstStyle/>
+          <a:p>
+            <a:pPr>
+              <a:defRPr/>
+            </a:pPr>
+            <a:fld id="{814E4D95-5749-4317-9CDB-71B0D5CB6843}" type="slidenum">
+              <a:rPr lang="en-US" smtClean="0"/>
+              <a:pPr>
+                <a:defRPr/>
+              </a:pPr>
+              <a:t>11</a:t>
+            </a:fld>
+            <a:endParaRPr lang="en-US" dirty="0"/>
+          </a:p>
+        </p:txBody>
+      </p:sp>
+      <p:sp>
+        <p:nvSpPr>
+          <p:cNvPr id="6" name="Footer Placeholder 5">
+            <a:extLst>
+              <a:ext uri="{FF2B5EF4-FFF2-40B4-BE49-F238E27FC236}">
+                <a16:creationId xmlns:a16="http://schemas.microsoft.com/office/drawing/2014/main" id="{D29F281E-5F91-45E6-A024-264D0676F7A7}"/>
+              </a:ext>
+            </a:extLst>
+          </p:cNvPr>
+          <p:cNvSpPr>
+            <a:spLocks noGrp="1"/>
+          </p:cNvSpPr>
+          <p:nvPr>
+            <p:ph type="ftr" sz="quarter" idx="11"/>
+          </p:nvPr>
+        </p:nvSpPr>
+        <p:spPr/>
+        <p:txBody>
+          <a:bodyPr/>
+          <a:lstStyle/>
+          <a:p>
+            <a:pPr>
+              <a:defRPr/>
+            </a:pPr>
+            <a:r>
+              <a:rPr lang="fr-FR"/>
+              <a:t>1009-05 Systèmes à Microprocesseur 1. Structure ordinateur</a:t>
+            </a:r>
+          </a:p>
+        </p:txBody>
+      </p:sp>
+    </p:spTree>
+    <p:extLst>
+      <p:ext uri="{BB962C8B-B14F-4D97-AF65-F5344CB8AC3E}">
+        <p14:creationId xmlns:p14="http://schemas.microsoft.com/office/powerpoint/2010/main" val="1888185302"/>
+      </p:ext>
+    </p:extLst>
+  </p:cSld>
+  <p:clrMapOvr>
+    <a:masterClrMapping/>
+  </p:clrMapOvr>
+</p:sld>
+</file>
+
+<file path=ppt/slides/slide12.xml><?xml version="1.0" encoding="utf-8"?>
+<p:sld xmlns:a="http://schemas.openxmlformats.org/drawingml/2006/main" xmlns:r="http://schemas.openxmlformats.org/officeDocument/2006/relationships" xmlns:p="http://schemas.openxmlformats.org/presentationml/2006/main">
+  <p:cSld>
+    <p:spTree>
+      <p:nvGrpSpPr>
+        <p:cNvPr id="1" name=""/>
+        <p:cNvGrpSpPr/>
+        <p:nvPr/>
+      </p:nvGrpSpPr>
+      <p:grpSpPr>
+        <a:xfrm>
+          <a:off x="0" y="0"/>
+          <a:ext cx="0" cy="0"/>
+          <a:chOff x="0" y="0"/>
+          <a:chExt cx="0" cy="0"/>
+        </a:xfrm>
+      </p:grpSpPr>
+      <p:sp>
+        <p:nvSpPr>
+          <p:cNvPr id="2" name="Title 1">
+            <a:extLst>
+              <a:ext uri="{FF2B5EF4-FFF2-40B4-BE49-F238E27FC236}">
                 <a16:creationId xmlns:a16="http://schemas.microsoft.com/office/drawing/2014/main" id="{909E8B68-355B-486B-ACA4-386B76CA9955}"/>
               </a:ext>
             </a:extLst>
@@ -5644,6 +5841,39 @@
           <a:bodyPr/>
           <a:lstStyle/>
           <a:p>
+            <a:r>
+              <a:rPr lang="en-US" dirty="0"/>
+              <a:t>GitHub Link</a:t>
+            </a:r>
+          </a:p>
+          <a:p>
+            <a:pPr lvl="1"/>
+            <a:r>
+              <a:rPr lang="en-US" dirty="0">
+                <a:hlinkClick r:id="rId2"/>
+              </a:rPr>
+              <a:t>https://github.com/CharlyTQ/Max7219_Tutorial_FPGA</a:t>
+            </a:r>
+            <a:endParaRPr lang="en-US" dirty="0"/>
+          </a:p>
+          <a:p>
+            <a:pPr lvl="1"/>
+            <a:endParaRPr lang="en-US" dirty="0"/>
+          </a:p>
+          <a:p>
+            <a:r>
+              <a:rPr lang="en-US" dirty="0"/>
+              <a:t>Altera Quartus Software Link</a:t>
+            </a:r>
+          </a:p>
+          <a:p>
+            <a:pPr lvl="1"/>
+            <a:r>
+              <a:rPr lang="en-US" dirty="0">
+                <a:hlinkClick r:id="rId3"/>
+              </a:rPr>
+              <a:t>https://fpgasoftware.intel.com/?edition=lite</a:t>
+            </a:r>
             <a:endParaRPr lang="en-US" dirty="0"/>
           </a:p>
         </p:txBody>
@@ -5677,7 +5907,7 @@
               <a:pPr>
                 <a:defRPr/>
               </a:pPr>
-              <a:t>11</a:t>
+              <a:t>12</a:t>
             </a:fld>
             <a:endParaRPr lang="en-US" dirty="0"/>
           </a:p>
@@ -5813,7 +6043,7 @@
         <p:spPr>
           <a:xfrm>
             <a:off x="215516" y="908720"/>
-            <a:ext cx="8712968" cy="5262979"/>
+            <a:ext cx="8712968" cy="5632311"/>
           </a:xfrm>
           <a:prstGeom prst="rect">
             <a:avLst/>
@@ -5961,7 +6191,7 @@
                   <a:srgbClr val="969696"/>
                 </a:solidFill>
               </a:rPr>
-              <a:t>Testbench</a:t>
+              <a:t>Application</a:t>
             </a:r>
           </a:p>
           <a:p>
@@ -5975,11 +6205,11 @@
                   <a:srgbClr val="969696"/>
                 </a:solidFill>
               </a:rPr>
-              <a:t>Simulation</a:t>
-            </a:r>
-          </a:p>
-          <a:p>
-            <a:pPr marL="914400" lvl="1" indent="-457200">
+              <a:t>Testbench</a:t>
+            </a:r>
+          </a:p>
+          <a:p>
+            <a:pPr marL="457200" indent="-457200">
               <a:buFont typeface="Arial" panose="020B0604020202020204" pitchFamily="34" charset="0"/>
               <a:buChar char="•"/>
             </a:pPr>
@@ -5993,7 +6223,24 @@
             </a:r>
           </a:p>
           <a:p>
-            <a:pPr lvl="1"/>
+            <a:pPr marL="457200" indent="-457200">
+              <a:buFont typeface="Arial" panose="020B0604020202020204" pitchFamily="34" charset="0"/>
+              <a:buChar char="•"/>
+            </a:pPr>
+            <a:r>
+              <a:rPr lang="en-GB" dirty="0">
+                <a:solidFill>
+                  <a:srgbClr val="969696"/>
+                </a:solidFill>
+              </a:rPr>
+              <a:t>Useful Links</a:t>
+            </a:r>
+          </a:p>
+          <a:p>
+            <a:pPr marL="914400" lvl="1" indent="-457200">
+              <a:buFont typeface="Arial" panose="020B0604020202020204" pitchFamily="34" charset="0"/>
+              <a:buChar char="•"/>
+            </a:pPr>
             <a:endParaRPr lang="en-GB" dirty="0">
               <a:solidFill>
                 <a:srgbClr val="969696"/>
@@ -8080,7 +8327,16 @@
             </a:r>
             <a:r>
               <a:rPr lang="en-US" dirty="0"/>
-              <a:t> receive the data </a:t>
+              <a:t> receive the data</a:t>
+            </a:r>
+          </a:p>
+          <a:p>
+            <a:pPr marL="0" indent="0">
+              <a:buNone/>
+            </a:pPr>
+            <a:r>
+              <a:rPr lang="en-US" dirty="0"/>
+              <a:t> </a:t>
             </a:r>
           </a:p>
           <a:p>
@@ -8247,7 +8503,7 @@
           <p:cNvPr id="2" name="Title 1">
             <a:extLst>
               <a:ext uri="{FF2B5EF4-FFF2-40B4-BE49-F238E27FC236}">
-                <a16:creationId xmlns:a16="http://schemas.microsoft.com/office/drawing/2014/main" id="{1C425CC9-6AB3-46AF-B088-CE31185D5114}"/>
+                <a16:creationId xmlns:a16="http://schemas.microsoft.com/office/drawing/2014/main" id="{B9BC88A8-1215-4842-9008-791129A189D2}"/>
               </a:ext>
             </a:extLst>
           </p:cNvPr>
@@ -8265,17 +8521,17 @@
           <a:p>
             <a:r>
               <a:rPr lang="en-US" dirty="0"/>
-              <a:t>Testbench</a:t>
+              <a:t>Application</a:t>
             </a:r>
           </a:p>
         </p:txBody>
       </p:sp>
       <p:pic>
         <p:nvPicPr>
-          <p:cNvPr id="7" name="Content Placeholder 6">
+          <p:cNvPr id="8" name="Content Placeholder 7">
             <a:extLst>
               <a:ext uri="{FF2B5EF4-FFF2-40B4-BE49-F238E27FC236}">
-                <a16:creationId xmlns:a16="http://schemas.microsoft.com/office/drawing/2014/main" id="{3C8173AC-F959-4BB1-87DE-51678896635E}"/>
+                <a16:creationId xmlns:a16="http://schemas.microsoft.com/office/drawing/2014/main" id="{C557F22E-6069-4A3F-9FE3-4B518DEACDED}"/>
               </a:ext>
             </a:extLst>
           </p:cNvPr>
@@ -8294,8 +8550,8 @@
         </p:blipFill>
         <p:spPr>
           <a:xfrm>
-            <a:off x="158386" y="1113847"/>
-            <a:ext cx="8827228" cy="915749"/>
+            <a:off x="0" y="938372"/>
+            <a:ext cx="4648200" cy="5064739"/>
           </a:xfrm>
           <a:prstGeom prst="rect">
             <a:avLst/>
@@ -8307,7 +8563,7 @@
           <p:cNvPr id="5" name="Slide Number Placeholder 4">
             <a:extLst>
               <a:ext uri="{FF2B5EF4-FFF2-40B4-BE49-F238E27FC236}">
-                <a16:creationId xmlns:a16="http://schemas.microsoft.com/office/drawing/2014/main" id="{E5052012-D434-4515-A05A-5B1533CEC4DF}"/>
+                <a16:creationId xmlns:a16="http://schemas.microsoft.com/office/drawing/2014/main" id="{EC802190-4DC8-49B6-B333-0198AC60F408}"/>
               </a:ext>
             </a:extLst>
           </p:cNvPr>
@@ -8342,7 +8598,7 @@
           <p:cNvPr id="6" name="Footer Placeholder 5">
             <a:extLst>
               <a:ext uri="{FF2B5EF4-FFF2-40B4-BE49-F238E27FC236}">
-                <a16:creationId xmlns:a16="http://schemas.microsoft.com/office/drawing/2014/main" id="{9D157A7C-9D5B-402E-AD60-D5C89BD887F4}"/>
+                <a16:creationId xmlns:a16="http://schemas.microsoft.com/office/drawing/2014/main" id="{E03D21CF-AA7B-46FB-B404-5261F34C506A}"/>
               </a:ext>
             </a:extLst>
           </p:cNvPr>
@@ -8368,70 +8624,219 @@
           </a:p>
         </p:txBody>
       </p:sp>
-      <p:pic>
-        <p:nvPicPr>
-          <p:cNvPr id="8" name="Picture 7">
+      <p:sp>
+        <p:nvSpPr>
+          <p:cNvPr id="10" name="Content Placeholder 11">
             <a:extLst>
               <a:ext uri="{FF2B5EF4-FFF2-40B4-BE49-F238E27FC236}">
-                <a16:creationId xmlns:a16="http://schemas.microsoft.com/office/drawing/2014/main" id="{085AAD7F-A04E-436C-A15B-2074AF0035FF}"/>
+                <a16:creationId xmlns:a16="http://schemas.microsoft.com/office/drawing/2014/main" id="{CFAF1387-AB67-4DBA-82AD-BA06C5D2B600}"/>
               </a:ext>
             </a:extLst>
           </p:cNvPr>
-          <p:cNvPicPr>
-            <a:picLocks noChangeAspect="1"/>
-          </p:cNvPicPr>
+          <p:cNvSpPr txBox="1">
+            <a:spLocks/>
+          </p:cNvSpPr>
           <p:nvPr/>
-        </p:nvPicPr>
-        <p:blipFill>
-          <a:blip r:embed="rId3"/>
-          <a:stretch>
-            <a:fillRect/>
-          </a:stretch>
-        </p:blipFill>
-        <p:spPr>
+        </p:nvSpPr>
+        <p:spPr bwMode="auto">
           <a:xfrm>
-            <a:off x="174477" y="2255466"/>
-            <a:ext cx="3970469" cy="3762953"/>
+            <a:off x="4860032" y="938373"/>
+            <a:ext cx="4038600" cy="5064738"/>
           </a:xfrm>
           <a:prstGeom prst="rect">
             <a:avLst/>
           </a:prstGeom>
+          <a:noFill/>
+          <a:ln w="9525">
+            <a:noFill/>
+            <a:miter lim="800000"/>
+            <a:headEnd/>
+            <a:tailEnd/>
+          </a:ln>
         </p:spPr>
-      </p:pic>
-      <p:sp>
-        <p:nvSpPr>
-          <p:cNvPr id="12" name="Content Placeholder 11">
-            <a:extLst>
-              <a:ext uri="{FF2B5EF4-FFF2-40B4-BE49-F238E27FC236}">
-                <a16:creationId xmlns:a16="http://schemas.microsoft.com/office/drawing/2014/main" id="{0003DC4E-DD2C-4D75-B15D-BD99ECC5F7C4}"/>
-              </a:ext>
-            </a:extLst>
-          </p:cNvPr>
-          <p:cNvSpPr>
-            <a:spLocks noGrp="1"/>
-          </p:cNvSpPr>
-          <p:nvPr>
-            <p:ph sz="half" idx="2"/>
-          </p:nvPr>
-        </p:nvSpPr>
-        <p:spPr>
-          <a:xfrm>
-            <a:off x="4659313" y="2132856"/>
-            <a:ext cx="4038600" cy="3932982"/>
-          </a:xfrm>
-        </p:spPr>
-        <p:txBody>
-          <a:bodyPr/>
-          <a:lstStyle/>
-          <a:p>
-            <a:endParaRPr lang="en-US" dirty="0"/>
+        <p:txBody>
+          <a:bodyPr vert="horz" wrap="square" lIns="91440" tIns="45720" rIns="91440" bIns="45720" numCol="1" anchor="t" anchorCtr="0" compatLnSpc="1">
+            <a:prstTxWarp prst="textNoShape">
+              <a:avLst/>
+            </a:prstTxWarp>
+          </a:bodyPr>
+          <a:lstStyle>
+            <a:lvl1pPr marL="342900" indent="-342900" algn="l" rtl="0" eaLnBrk="0" fontAlgn="base" hangingPunct="0">
+              <a:spcBef>
+                <a:spcPct val="20000"/>
+              </a:spcBef>
+              <a:spcAft>
+                <a:spcPct val="0"/>
+              </a:spcAft>
+              <a:buFont typeface="Wingdings" pitchFamily="2" charset="2"/>
+              <a:buChar char="q"/>
+              <a:defRPr sz="2800">
+                <a:solidFill>
+                  <a:srgbClr val="1153B5"/>
+                </a:solidFill>
+                <a:latin typeface="+mn-lt"/>
+                <a:ea typeface="+mn-ea"/>
+                <a:cs typeface="+mn-cs"/>
+              </a:defRPr>
+            </a:lvl1pPr>
+            <a:lvl2pPr marL="742950" indent="-285750" algn="l" rtl="0" eaLnBrk="0" fontAlgn="base" hangingPunct="0">
+              <a:spcBef>
+                <a:spcPct val="20000"/>
+              </a:spcBef>
+              <a:spcAft>
+                <a:spcPct val="0"/>
+              </a:spcAft>
+              <a:buFont typeface="Wingdings" pitchFamily="2" charset="2"/>
+              <a:buChar char="§"/>
+              <a:defRPr sz="2400">
+                <a:solidFill>
+                  <a:srgbClr val="1153B5"/>
+                </a:solidFill>
+                <a:latin typeface="+mn-lt"/>
+              </a:defRPr>
+            </a:lvl2pPr>
+            <a:lvl3pPr marL="1143000" indent="-228600" algn="l" rtl="0" eaLnBrk="0" fontAlgn="base" hangingPunct="0">
+              <a:spcBef>
+                <a:spcPct val="20000"/>
+              </a:spcBef>
+              <a:spcAft>
+                <a:spcPct val="0"/>
+              </a:spcAft>
+              <a:buChar char="•"/>
+              <a:defRPr sz="2000">
+                <a:solidFill>
+                  <a:srgbClr val="1153B5"/>
+                </a:solidFill>
+                <a:latin typeface="+mn-lt"/>
+              </a:defRPr>
+            </a:lvl3pPr>
+            <a:lvl4pPr marL="1600200" indent="-228600" algn="l" rtl="0" eaLnBrk="0" fontAlgn="base" hangingPunct="0">
+              <a:spcBef>
+                <a:spcPct val="20000"/>
+              </a:spcBef>
+              <a:spcAft>
+                <a:spcPct val="0"/>
+              </a:spcAft>
+              <a:buChar char="–"/>
+              <a:defRPr sz="1800">
+                <a:solidFill>
+                  <a:srgbClr val="1153B5"/>
+                </a:solidFill>
+                <a:latin typeface="+mn-lt"/>
+              </a:defRPr>
+            </a:lvl4pPr>
+            <a:lvl5pPr marL="2057400" indent="-228600" algn="l" rtl="0" eaLnBrk="0" fontAlgn="base" hangingPunct="0">
+              <a:spcBef>
+                <a:spcPct val="20000"/>
+              </a:spcBef>
+              <a:spcAft>
+                <a:spcPct val="0"/>
+              </a:spcAft>
+              <a:buChar char="»"/>
+              <a:defRPr sz="1800">
+                <a:solidFill>
+                  <a:srgbClr val="1153B5"/>
+                </a:solidFill>
+                <a:latin typeface="+mn-lt"/>
+              </a:defRPr>
+            </a:lvl5pPr>
+            <a:lvl6pPr marL="2514600" indent="-228600" algn="l" rtl="0" fontAlgn="base">
+              <a:spcBef>
+                <a:spcPct val="20000"/>
+              </a:spcBef>
+              <a:spcAft>
+                <a:spcPct val="0"/>
+              </a:spcAft>
+              <a:buChar char="»"/>
+              <a:defRPr sz="1800">
+                <a:solidFill>
+                  <a:srgbClr val="1153B5"/>
+                </a:solidFill>
+                <a:latin typeface="+mn-lt"/>
+              </a:defRPr>
+            </a:lvl6pPr>
+            <a:lvl7pPr marL="2971800" indent="-228600" algn="l" rtl="0" fontAlgn="base">
+              <a:spcBef>
+                <a:spcPct val="20000"/>
+              </a:spcBef>
+              <a:spcAft>
+                <a:spcPct val="0"/>
+              </a:spcAft>
+              <a:buChar char="»"/>
+              <a:defRPr sz="1800">
+                <a:solidFill>
+                  <a:srgbClr val="1153B5"/>
+                </a:solidFill>
+                <a:latin typeface="+mn-lt"/>
+              </a:defRPr>
+            </a:lvl7pPr>
+            <a:lvl8pPr marL="3429000" indent="-228600" algn="l" rtl="0" fontAlgn="base">
+              <a:spcBef>
+                <a:spcPct val="20000"/>
+              </a:spcBef>
+              <a:spcAft>
+                <a:spcPct val="0"/>
+              </a:spcAft>
+              <a:buChar char="»"/>
+              <a:defRPr sz="1800">
+                <a:solidFill>
+                  <a:srgbClr val="1153B5"/>
+                </a:solidFill>
+                <a:latin typeface="+mn-lt"/>
+              </a:defRPr>
+            </a:lvl8pPr>
+            <a:lvl9pPr marL="3886200" indent="-228600" algn="l" rtl="0" fontAlgn="base">
+              <a:spcBef>
+                <a:spcPct val="20000"/>
+              </a:spcBef>
+              <a:spcAft>
+                <a:spcPct val="0"/>
+              </a:spcAft>
+              <a:buChar char="»"/>
+              <a:defRPr sz="1800">
+                <a:solidFill>
+                  <a:srgbClr val="1153B5"/>
+                </a:solidFill>
+                <a:latin typeface="+mn-lt"/>
+              </a:defRPr>
+            </a:lvl9pPr>
+          </a:lstStyle>
+          <a:p>
+            <a:r>
+              <a:rPr lang="en-US" sz="2200" dirty="0"/>
+              <a:t>The first 4 bits are never used for this device. </a:t>
+            </a:r>
+          </a:p>
+          <a:p>
+            <a:endParaRPr lang="en-US" sz="2200" kern="0" dirty="0"/>
+          </a:p>
+          <a:p>
+            <a:r>
+              <a:rPr lang="en-US" sz="2200" dirty="0"/>
+              <a:t>The last 8 bits each monitor one led in the line. </a:t>
+            </a:r>
+          </a:p>
+          <a:p>
+            <a:endParaRPr lang="en-US" sz="2200" kern="0" dirty="0"/>
+          </a:p>
+          <a:p>
+            <a:r>
+              <a:rPr lang="en-US" sz="2200" dirty="0"/>
+              <a:t>If the bits are equal to 1, the corresponding LEDs will be lit and in the same way, they will be off if the bits are equal to 0.</a:t>
+            </a:r>
+          </a:p>
+          <a:p>
+            <a:endParaRPr lang="en-US" sz="2000" kern="0" dirty="0"/>
+          </a:p>
+          <a:p>
+            <a:endParaRPr lang="en-US" sz="2000" kern="0" dirty="0"/>
           </a:p>
         </p:txBody>
       </p:sp>
     </p:spTree>
     <p:extLst>
       <p:ext uri="{BB962C8B-B14F-4D97-AF65-F5344CB8AC3E}">
-        <p14:creationId xmlns:p14="http://schemas.microsoft.com/office/powerpoint/2010/main" val="2305922971"/>
+        <p14:creationId xmlns:p14="http://schemas.microsoft.com/office/powerpoint/2010/main" val="4010572043"/>
       </p:ext>
     </p:extLst>
   </p:cSld>

--- a/Presentation_LEDMatrix.pptx
+++ b/Presentation_LEDMatrix.pptx
@@ -5,10 +5,10 @@
     <p:sldMasterId id="2147483649" r:id="rId1"/>
   </p:sldMasterIdLst>
   <p:notesMasterIdLst>
-    <p:notesMasterId r:id="rId14"/>
+    <p:notesMasterId r:id="rId15"/>
   </p:notesMasterIdLst>
   <p:handoutMasterIdLst>
-    <p:handoutMasterId r:id="rId15"/>
+    <p:handoutMasterId r:id="rId16"/>
   </p:handoutMasterIdLst>
   <p:sldIdLst>
     <p:sldId id="256" r:id="rId2"/>
@@ -21,8 +21,9 @@
     <p:sldId id="420" r:id="rId9"/>
     <p:sldId id="422" r:id="rId10"/>
     <p:sldId id="421" r:id="rId11"/>
-    <p:sldId id="423" r:id="rId12"/>
-    <p:sldId id="414" r:id="rId13"/>
+    <p:sldId id="424" r:id="rId12"/>
+    <p:sldId id="423" r:id="rId13"/>
+    <p:sldId id="414" r:id="rId14"/>
   </p:sldIdLst>
   <p:sldSz cx="9144000" cy="6858000" type="screen4x3"/>
   <p:notesSz cx="6646863" cy="9777413"/>
@@ -1333,7 +1334,7 @@
                 <a:buNone/>
                 <a:defRPr/>
               </a:pPr>
-              <a:t>13-05-20</a:t>
+              <a:t>18-05-20</a:t>
             </a:fld>
             <a:endParaRPr lang="en-US" sz="1400" dirty="0">
               <a:solidFill>
@@ -5571,7 +5572,7 @@
           <a:p>
             <a:r>
               <a:rPr lang="en-US" sz="2000" dirty="0"/>
-              <a:t>CS comes to zero -&gt; Data start its duty cycle</a:t>
+              <a:t>CS comes to zero -&gt; Data starts its duty cycle</a:t>
             </a:r>
           </a:p>
           <a:p>
@@ -5620,13 +5621,7 @@
       </p:grpSpPr>
       <p:sp>
         <p:nvSpPr>
-          <p:cNvPr id="2" name="Title 1">
-            <a:extLst>
-              <a:ext uri="{FF2B5EF4-FFF2-40B4-BE49-F238E27FC236}">
-                <a16:creationId xmlns:a16="http://schemas.microsoft.com/office/drawing/2014/main" id="{2CE4BDF1-7F04-4DEC-843E-2A3B91BA12BF}"/>
-              </a:ext>
-            </a:extLst>
-          </p:cNvPr>
+          <p:cNvPr id="2" name="Titre 1"/>
           <p:cNvSpPr>
             <a:spLocks noGrp="1"/>
           </p:cNvSpPr>
@@ -5641,25 +5636,19 @@
           <a:p>
             <a:r>
               <a:rPr lang="en-US" dirty="0"/>
-              <a:t>Conclusion</a:t>
-            </a:r>
-          </a:p>
-        </p:txBody>
-      </p:sp>
-      <p:sp>
-        <p:nvSpPr>
-          <p:cNvPr id="3" name="Content Placeholder 2">
-            <a:extLst>
-              <a:ext uri="{FF2B5EF4-FFF2-40B4-BE49-F238E27FC236}">
-                <a16:creationId xmlns:a16="http://schemas.microsoft.com/office/drawing/2014/main" id="{4E140F48-B801-4325-9A4A-A9CE352102A9}"/>
-              </a:ext>
-            </a:extLst>
-          </p:cNvPr>
+              <a:t>NON done job</a:t>
+            </a:r>
+          </a:p>
+        </p:txBody>
+      </p:sp>
+      <p:sp>
+        <p:nvSpPr>
+          <p:cNvPr id="4" name="Espace réservé du contenu 3"/>
           <p:cNvSpPr>
             <a:spLocks noGrp="1"/>
           </p:cNvSpPr>
           <p:nvPr>
-            <p:ph sz="half" idx="1"/>
+            <p:ph sz="half" idx="2"/>
           </p:nvPr>
         </p:nvSpPr>
         <p:spPr/>
@@ -5667,44 +5656,67 @@
           <a:bodyPr/>
           <a:lstStyle/>
           <a:p>
-            <a:endParaRPr lang="en-US"/>
-          </a:p>
-        </p:txBody>
-      </p:sp>
-      <p:sp>
-        <p:nvSpPr>
-          <p:cNvPr id="4" name="Content Placeholder 3">
-            <a:extLst>
-              <a:ext uri="{FF2B5EF4-FFF2-40B4-BE49-F238E27FC236}">
-                <a16:creationId xmlns:a16="http://schemas.microsoft.com/office/drawing/2014/main" id="{3ECD01BC-D983-4D1D-9682-D1380B191560}"/>
-              </a:ext>
-            </a:extLst>
-          </p:cNvPr>
-          <p:cNvSpPr>
-            <a:spLocks noGrp="1"/>
-          </p:cNvSpPr>
-          <p:nvPr>
-            <p:ph sz="half" idx="2"/>
-          </p:nvPr>
-        </p:nvSpPr>
-        <p:spPr/>
-        <p:txBody>
-          <a:bodyPr/>
-          <a:lstStyle/>
-          <a:p>
-            <a:endParaRPr lang="en-US"/>
-          </a:p>
-        </p:txBody>
-      </p:sp>
-      <p:sp>
-        <p:nvSpPr>
-          <p:cNvPr id="5" name="Slide Number Placeholder 4">
-            <a:extLst>
-              <a:ext uri="{FF2B5EF4-FFF2-40B4-BE49-F238E27FC236}">
-                <a16:creationId xmlns:a16="http://schemas.microsoft.com/office/drawing/2014/main" id="{E2669424-6BC6-4065-A642-9E07584DF98B}"/>
-              </a:ext>
-            </a:extLst>
-          </p:cNvPr>
+            <a:r>
+              <a:rPr lang="en-US" sz="1700" dirty="0"/>
+              <a:t>VCC and the GND </a:t>
+            </a:r>
+            <a:r>
+              <a:rPr lang="en-US" sz="1800" dirty="0"/>
+              <a:t>respectively connected on the VCC5 and GND pins of GPIO 0.</a:t>
+            </a:r>
+            <a:endParaRPr lang="fr-BE" sz="1800" dirty="0"/>
+          </a:p>
+          <a:p>
+            <a:r>
+              <a:rPr lang="en-US" sz="1800" dirty="0"/>
+              <a:t>Three signals to the </a:t>
+            </a:r>
+            <a:r>
+              <a:rPr lang="en-US" sz="1800" dirty="0">
+                <a:solidFill>
+                  <a:srgbClr val="FF0000"/>
+                </a:solidFill>
+              </a:rPr>
+              <a:t>MAX7219</a:t>
+            </a:r>
+            <a:r>
+              <a:rPr lang="en-US" sz="1800" dirty="0"/>
+              <a:t>:</a:t>
+            </a:r>
+            <a:endParaRPr lang="fr-BE" sz="1800" dirty="0"/>
+          </a:p>
+          <a:p>
+            <a:pPr lvl="2"/>
+            <a:r>
+              <a:rPr lang="en-US" dirty="0"/>
+              <a:t>data =&gt; mapped on GPO_0_D1</a:t>
+            </a:r>
+            <a:endParaRPr lang="fr-BE" dirty="0"/>
+          </a:p>
+          <a:p>
+            <a:pPr lvl="2"/>
+            <a:r>
+              <a:rPr lang="en-US" dirty="0"/>
+              <a:t>CS =&gt; mapped on GPO_0_D3</a:t>
+            </a:r>
+            <a:endParaRPr lang="fr-BE" dirty="0"/>
+          </a:p>
+          <a:p>
+            <a:pPr lvl="2"/>
+            <a:r>
+              <a:rPr lang="en-US" dirty="0"/>
+              <a:t>CLK =&gt; mapped on GPO_0_D5</a:t>
+            </a:r>
+            <a:endParaRPr lang="fr-BE" dirty="0"/>
+          </a:p>
+          <a:p>
+            <a:endParaRPr lang="en-US" dirty="0"/>
+          </a:p>
+        </p:txBody>
+      </p:sp>
+      <p:sp>
+        <p:nvSpPr>
+          <p:cNvPr id="5" name="Espace réservé du numéro de diapositive 4"/>
           <p:cNvSpPr>
             <a:spLocks noGrp="1"/>
           </p:cNvSpPr>
@@ -5721,25 +5733,19 @@
               <a:defRPr/>
             </a:pPr>
             <a:fld id="{814E4D95-5749-4317-9CDB-71B0D5CB6843}" type="slidenum">
-              <a:rPr lang="en-US" smtClean="0"/>
+              <a:rPr lang="fr-BE" smtClean="0"/>
               <a:pPr>
                 <a:defRPr/>
               </a:pPr>
               <a:t>11</a:t>
             </a:fld>
-            <a:endParaRPr lang="en-US" dirty="0"/>
-          </a:p>
-        </p:txBody>
-      </p:sp>
-      <p:sp>
-        <p:nvSpPr>
-          <p:cNvPr id="6" name="Footer Placeholder 5">
-            <a:extLst>
-              <a:ext uri="{FF2B5EF4-FFF2-40B4-BE49-F238E27FC236}">
-                <a16:creationId xmlns:a16="http://schemas.microsoft.com/office/drawing/2014/main" id="{D29F281E-5F91-45E6-A024-264D0676F7A7}"/>
-              </a:ext>
-            </a:extLst>
-          </p:cNvPr>
+            <a:endParaRPr lang="fr-BE" dirty="0"/>
+          </a:p>
+        </p:txBody>
+      </p:sp>
+      <p:sp>
+        <p:nvSpPr>
+          <p:cNvPr id="6" name="Espace réservé du pied de page 5"/>
           <p:cNvSpPr>
             <a:spLocks noGrp="1"/>
           </p:cNvSpPr>
@@ -5762,12 +5768,33 @@
           </a:p>
         </p:txBody>
       </p:sp>
+      <p:pic>
+        <p:nvPicPr>
+          <p:cNvPr id="7" name="image13.png"/>
+          <p:cNvPicPr>
+            <a:picLocks noGrp="1"/>
+          </p:cNvPicPr>
+          <p:nvPr>
+            <p:ph sz="half" idx="1"/>
+          </p:nvPr>
+        </p:nvPicPr>
+        <p:blipFill>
+          <a:blip r:embed="rId2" cstate="print"/>
+          <a:stretch>
+            <a:fillRect/>
+          </a:stretch>
+        </p:blipFill>
+        <p:spPr>
+          <a:xfrm>
+            <a:off x="428596" y="2500306"/>
+            <a:ext cx="4038600" cy="2383025"/>
+          </a:xfrm>
+          <a:prstGeom prst="rect">
+            <a:avLst/>
+          </a:prstGeom>
+        </p:spPr>
+      </p:pic>
     </p:spTree>
-    <p:extLst>
-      <p:ext uri="{BB962C8B-B14F-4D97-AF65-F5344CB8AC3E}">
-        <p14:creationId xmlns:p14="http://schemas.microsoft.com/office/powerpoint/2010/main" val="1888185302"/>
-      </p:ext>
-    </p:extLst>
   </p:cSld>
   <p:clrMapOvr>
     <a:masterClrMapping/>
@@ -5797,6 +5824,201 @@
           <p:cNvPr id="2" name="Title 1">
             <a:extLst>
               <a:ext uri="{FF2B5EF4-FFF2-40B4-BE49-F238E27FC236}">
+                <a16:creationId xmlns:a16="http://schemas.microsoft.com/office/drawing/2014/main" id="{2CE4BDF1-7F04-4DEC-843E-2A3B91BA12BF}"/>
+              </a:ext>
+            </a:extLst>
+          </p:cNvPr>
+          <p:cNvSpPr>
+            <a:spLocks noGrp="1"/>
+          </p:cNvSpPr>
+          <p:nvPr>
+            <p:ph type="title"/>
+          </p:nvPr>
+        </p:nvSpPr>
+        <p:spPr/>
+        <p:txBody>
+          <a:bodyPr/>
+          <a:lstStyle/>
+          <a:p>
+            <a:r>
+              <a:rPr lang="en-US" dirty="0"/>
+              <a:t>Conclusion</a:t>
+            </a:r>
+          </a:p>
+        </p:txBody>
+      </p:sp>
+      <p:sp>
+        <p:nvSpPr>
+          <p:cNvPr id="3" name="Content Placeholder 2">
+            <a:extLst>
+              <a:ext uri="{FF2B5EF4-FFF2-40B4-BE49-F238E27FC236}">
+                <a16:creationId xmlns:a16="http://schemas.microsoft.com/office/drawing/2014/main" id="{4E140F48-B801-4325-9A4A-A9CE352102A9}"/>
+              </a:ext>
+            </a:extLst>
+          </p:cNvPr>
+          <p:cNvSpPr>
+            <a:spLocks noGrp="1"/>
+          </p:cNvSpPr>
+          <p:nvPr>
+            <p:ph sz="half" idx="1"/>
+          </p:nvPr>
+        </p:nvSpPr>
+        <p:spPr>
+          <a:xfrm>
+            <a:off x="333795" y="836712"/>
+            <a:ext cx="8143932" cy="5400600"/>
+          </a:xfrm>
+        </p:spPr>
+        <p:txBody>
+          <a:bodyPr/>
+          <a:lstStyle/>
+          <a:p>
+            <a:r>
+              <a:rPr lang="en-US" sz="2000" dirty="0"/>
+              <a:t>The project consists of software and hardware parts. </a:t>
+            </a:r>
+          </a:p>
+          <a:p>
+            <a:pPr lvl="1"/>
+            <a:r>
+              <a:rPr lang="en-US" sz="1600" dirty="0"/>
+              <a:t>The Software section has the objective to explain how to program the driver, show the application (what we want to output on the led matrix) and stablish the communication between the board and the led matrix. </a:t>
+            </a:r>
+          </a:p>
+          <a:p>
+            <a:pPr lvl="1"/>
+            <a:r>
+              <a:rPr lang="en-US" sz="1600" dirty="0"/>
+              <a:t>The Hardware section includes the wiring proposed by us just by looking at the characteristics of the board and the LED Matrix </a:t>
+            </a:r>
+            <a:r>
+              <a:rPr lang="en-US" sz="1600"/>
+              <a:t>online.</a:t>
+            </a:r>
+            <a:endParaRPr lang="en-US" sz="2000" dirty="0"/>
+          </a:p>
+          <a:p>
+            <a:r>
+              <a:rPr lang="en-US" sz="2000" dirty="0"/>
+              <a:t>The application code is changeable. We can display whatever we want changing the data frame that is declared in the code in the application and keeping the rest of program without any changing.</a:t>
+            </a:r>
+          </a:p>
+          <a:p>
+            <a:r>
+              <a:rPr lang="en-US" sz="2000" dirty="0"/>
+              <a:t>The code is a continuous program that keep displaying the same figure once the CS signal change. This can be corrected by adding a new state that detect once the data frame is received.</a:t>
+            </a:r>
+            <a:endParaRPr lang="fr-BE" sz="2000" dirty="0"/>
+          </a:p>
+          <a:p>
+            <a:endParaRPr lang="fr-BE" sz="2000" dirty="0"/>
+          </a:p>
+          <a:p>
+            <a:endParaRPr lang="en-US" dirty="0"/>
+          </a:p>
+        </p:txBody>
+      </p:sp>
+      <p:sp>
+        <p:nvSpPr>
+          <p:cNvPr id="5" name="Slide Number Placeholder 4">
+            <a:extLst>
+              <a:ext uri="{FF2B5EF4-FFF2-40B4-BE49-F238E27FC236}">
+                <a16:creationId xmlns:a16="http://schemas.microsoft.com/office/drawing/2014/main" id="{E2669424-6BC6-4065-A642-9E07584DF98B}"/>
+              </a:ext>
+            </a:extLst>
+          </p:cNvPr>
+          <p:cNvSpPr>
+            <a:spLocks noGrp="1"/>
+          </p:cNvSpPr>
+          <p:nvPr>
+            <p:ph type="sldNum" sz="quarter" idx="10"/>
+          </p:nvPr>
+        </p:nvSpPr>
+        <p:spPr/>
+        <p:txBody>
+          <a:bodyPr/>
+          <a:lstStyle/>
+          <a:p>
+            <a:pPr>
+              <a:defRPr/>
+            </a:pPr>
+            <a:fld id="{814E4D95-5749-4317-9CDB-71B0D5CB6843}" type="slidenum">
+              <a:rPr lang="en-US" smtClean="0"/>
+              <a:pPr>
+                <a:defRPr/>
+              </a:pPr>
+              <a:t>12</a:t>
+            </a:fld>
+            <a:endParaRPr lang="en-US" dirty="0"/>
+          </a:p>
+        </p:txBody>
+      </p:sp>
+      <p:sp>
+        <p:nvSpPr>
+          <p:cNvPr id="6" name="Footer Placeholder 5">
+            <a:extLst>
+              <a:ext uri="{FF2B5EF4-FFF2-40B4-BE49-F238E27FC236}">
+                <a16:creationId xmlns:a16="http://schemas.microsoft.com/office/drawing/2014/main" id="{D29F281E-5F91-45E6-A024-264D0676F7A7}"/>
+              </a:ext>
+            </a:extLst>
+          </p:cNvPr>
+          <p:cNvSpPr>
+            <a:spLocks noGrp="1"/>
+          </p:cNvSpPr>
+          <p:nvPr>
+            <p:ph type="ftr" sz="quarter" idx="11"/>
+          </p:nvPr>
+        </p:nvSpPr>
+        <p:spPr/>
+        <p:txBody>
+          <a:bodyPr/>
+          <a:lstStyle/>
+          <a:p>
+            <a:pPr>
+              <a:defRPr/>
+            </a:pPr>
+            <a:r>
+              <a:rPr lang="fr-FR"/>
+              <a:t>1009-05 Systèmes à Microprocesseur 1. Structure ordinateur</a:t>
+            </a:r>
+          </a:p>
+        </p:txBody>
+      </p:sp>
+    </p:spTree>
+    <p:extLst>
+      <p:ext uri="{BB962C8B-B14F-4D97-AF65-F5344CB8AC3E}">
+        <p14:creationId xmlns:p14="http://schemas.microsoft.com/office/powerpoint/2010/main" val="1888185302"/>
+      </p:ext>
+    </p:extLst>
+  </p:cSld>
+  <p:clrMapOvr>
+    <a:masterClrMapping/>
+  </p:clrMapOvr>
+</p:sld>
+</file>
+
+<file path=ppt/slides/slide13.xml><?xml version="1.0" encoding="utf-8"?>
+<p:sld xmlns:a="http://schemas.openxmlformats.org/drawingml/2006/main" xmlns:r="http://schemas.openxmlformats.org/officeDocument/2006/relationships" xmlns:p="http://schemas.openxmlformats.org/presentationml/2006/main">
+  <p:cSld>
+    <p:spTree>
+      <p:nvGrpSpPr>
+        <p:cNvPr id="1" name=""/>
+        <p:cNvGrpSpPr/>
+        <p:nvPr/>
+      </p:nvGrpSpPr>
+      <p:grpSpPr>
+        <a:xfrm>
+          <a:off x="0" y="0"/>
+          <a:ext cx="0" cy="0"/>
+          <a:chOff x="0" y="0"/>
+          <a:chExt cx="0" cy="0"/>
+        </a:xfrm>
+      </p:grpSpPr>
+      <p:sp>
+        <p:nvSpPr>
+          <p:cNvPr id="2" name="Title 1">
+            <a:extLst>
+              <a:ext uri="{FF2B5EF4-FFF2-40B4-BE49-F238E27FC236}">
                 <a16:creationId xmlns:a16="http://schemas.microsoft.com/office/drawing/2014/main" id="{909E8B68-355B-486B-ACA4-386B76CA9955}"/>
               </a:ext>
             </a:extLst>
@@ -5907,7 +6129,7 @@
               <a:pPr>
                 <a:defRPr/>
               </a:pPr>
-              <a:t>12</a:t>
+              <a:t>13</a:t>
             </a:fld>
             <a:endParaRPr lang="en-US" dirty="0"/>
           </a:p>
@@ -8319,7 +8541,7 @@
           <a:p>
             <a:r>
               <a:rPr lang="en-US" dirty="0"/>
-              <a:t>Variable </a:t>
+              <a:t>Variable “</a:t>
             </a:r>
             <a:r>
               <a:rPr lang="en-US" dirty="0" err="1"/>
@@ -8327,7 +8549,7 @@
             </a:r>
             <a:r>
               <a:rPr lang="en-US" dirty="0"/>
-              <a:t> receive the data</a:t>
+              <a:t>” receive the data</a:t>
             </a:r>
           </a:p>
           <a:p>

--- a/Presentation_LEDMatrix.pptx
+++ b/Presentation_LEDMatrix.pptx
@@ -5889,11 +5889,7 @@
             <a:pPr lvl="1"/>
             <a:r>
               <a:rPr lang="en-US" sz="1600" dirty="0"/>
-              <a:t>The Hardware section includes the wiring proposed by us just by looking at the characteristics of the board and the LED Matrix </a:t>
-            </a:r>
-            <a:r>
-              <a:rPr lang="en-US" sz="1600"/>
-              <a:t>online.</a:t>
+              <a:t>The Hardware section includes the wiring proposed by us just by looking at the characteristics of the board and the LED Matrix online.</a:t>
             </a:r>
             <a:endParaRPr lang="en-US" sz="2000" dirty="0"/>
           </a:p>

--- a/Presentation_LEDMatrix.pptx
+++ b/Presentation_LEDMatrix.pptx
@@ -5902,7 +5902,7 @@
           <a:p>
             <a:r>
               <a:rPr lang="en-US" sz="2000" dirty="0"/>
-              <a:t>The code is a continuous program that keep displaying the same figure once the CS signal change. This can be corrected by adding a new state that detect once the data frame is received.</a:t>
+              <a:t>The goal of the project was achieved. Its a continuous program function that keep displaying the same figure once the CS signal change and fulfill the requirements.</a:t>
             </a:r>
             <a:endParaRPr lang="fr-BE" sz="2000" dirty="0"/>
           </a:p>
